--- a/Presentation.pptx
+++ b/Presentation.pptx
@@ -5,12 +5,14 @@
     <p:sldMasterId id="2147484148" r:id="rId1"/>
   </p:sldMasterIdLst>
   <p:notesMasterIdLst>
-    <p:notesMasterId r:id="rId5"/>
+    <p:notesMasterId r:id="rId7"/>
   </p:notesMasterIdLst>
   <p:sldIdLst>
     <p:sldId id="256" r:id="rId2"/>
     <p:sldId id="257" r:id="rId3"/>
     <p:sldId id="258" r:id="rId4"/>
+    <p:sldId id="259" r:id="rId5"/>
+    <p:sldId id="260" r:id="rId6"/>
   </p:sldIdLst>
   <p:sldSz cx="12192000" cy="6858000"/>
   <p:notesSz cx="6858000" cy="9144000"/>
@@ -194,7 +196,7 @@
           <a:p>
             <a:fld id="{E9A71307-610C-42E3-AF5E-C02B71A838F7}" type="datetimeFigureOut">
               <a:rPr lang="en-US" smtClean="0"/>
-              <a:t>6/15/2017</a:t>
+              <a:t>6/16/2017</a:t>
             </a:fld>
             <a:endParaRPr lang="en-US"/>
           </a:p>
@@ -1108,7 +1110,7 @@
           <a:p>
             <a:fld id="{5CB1D39A-5EF1-4586-85B7-EC98F23D9C0E}" type="datetime1">
               <a:rPr lang="en-US" smtClean="0"/>
-              <a:t>6/15/2017</a:t>
+              <a:t>6/16/2017</a:t>
             </a:fld>
             <a:endParaRPr lang="en-US"/>
           </a:p>
@@ -1228,7 +1230,7 @@
   </p:clrMapOvr>
   <p:extLst>
     <p:ext uri="{DCECCB84-F9BA-43D5-87BE-67443E8EF086}">
-      <p15:sldGuideLst xmlns:p15="http://schemas.microsoft.com/office/powerpoint/2012/main"/>
+      <p15:sldGuideLst xmlns:p15="http://schemas.microsoft.com/office/powerpoint/2012/main" xmlns=""/>
     </p:ext>
   </p:extLst>
 </p:sldLayout>
@@ -2233,7 +2235,7 @@
           <a:p>
             <a:fld id="{E2F70B85-9DFD-4DEE-B162-FE8C09256A36}" type="datetime1">
               <a:rPr lang="en-US" smtClean="0"/>
-              <a:t>6/15/2017</a:t>
+              <a:t>6/16/2017</a:t>
             </a:fld>
             <a:endParaRPr lang="en-US"/>
           </a:p>
@@ -3245,7 +3247,7 @@
           <a:p>
             <a:fld id="{E2F70B85-9DFD-4DEE-B162-FE8C09256A36}" type="datetime1">
               <a:rPr lang="en-US" smtClean="0"/>
-              <a:t>6/15/2017</a:t>
+              <a:t>6/16/2017</a:t>
             </a:fld>
             <a:endParaRPr lang="en-US"/>
           </a:p>
@@ -4416,7 +4418,7 @@
           <a:p>
             <a:fld id="{E2F70B85-9DFD-4DEE-B162-FE8C09256A36}" type="datetime1">
               <a:rPr lang="en-US" smtClean="0"/>
-              <a:t>6/15/2017</a:t>
+              <a:t>6/16/2017</a:t>
             </a:fld>
             <a:endParaRPr lang="en-US"/>
           </a:p>
@@ -5478,7 +5480,7 @@
           <a:p>
             <a:fld id="{E2F70B85-9DFD-4DEE-B162-FE8C09256A36}" type="datetime1">
               <a:rPr lang="en-US" smtClean="0"/>
-              <a:t>6/15/2017</a:t>
+              <a:t>6/16/2017</a:t>
             </a:fld>
             <a:endParaRPr lang="en-US"/>
           </a:p>
@@ -6125,7 +6127,7 @@
           <a:p>
             <a:fld id="{E2F70B85-9DFD-4DEE-B162-FE8C09256A36}" type="datetime1">
               <a:rPr lang="en-US" smtClean="0"/>
-              <a:t>6/15/2017</a:t>
+              <a:t>6/16/2017</a:t>
             </a:fld>
             <a:endParaRPr lang="en-US"/>
           </a:p>
@@ -6973,7 +6975,7 @@
           <a:p>
             <a:fld id="{E2F70B85-9DFD-4DEE-B162-FE8C09256A36}" type="datetime1">
               <a:rPr lang="en-US" smtClean="0"/>
-              <a:t>6/15/2017</a:t>
+              <a:t>6/16/2017</a:t>
             </a:fld>
             <a:endParaRPr lang="en-US"/>
           </a:p>
@@ -7149,7 +7151,7 @@
           <a:p>
             <a:fld id="{572EF709-75E3-4600-BD31-F42A1859FDAF}" type="datetime1">
               <a:rPr lang="en-US" smtClean="0"/>
-              <a:t>6/15/2017</a:t>
+              <a:t>6/16/2017</a:t>
             </a:fld>
             <a:endParaRPr lang="en-US"/>
           </a:p>
@@ -8147,7 +8149,7 @@
           <a:p>
             <a:fld id="{E37BCB52-82C5-4FB2-83B1-C7B640B735BB}" type="datetime1">
               <a:rPr lang="en-US" smtClean="0"/>
-              <a:t>6/15/2017</a:t>
+              <a:t>6/16/2017</a:t>
             </a:fld>
             <a:endParaRPr lang="en-US"/>
           </a:p>
@@ -8243,7 +8245,7 @@
   </p:clrMapOvr>
   <p:extLst>
     <p:ext uri="{DCECCB84-F9BA-43D5-87BE-67443E8EF086}">
-      <p15:sldGuideLst xmlns:p15="http://schemas.microsoft.com/office/powerpoint/2012/main"/>
+      <p15:sldGuideLst xmlns:p15="http://schemas.microsoft.com/office/powerpoint/2012/main" xmlns=""/>
     </p:ext>
   </p:extLst>
 </p:sldLayout>
@@ -8358,7 +8360,7 @@
           <a:p>
             <a:fld id="{D9773872-C2D6-452D-8F47-FC34F04B2ABE}" type="datetime1">
               <a:rPr lang="en-US" smtClean="0"/>
-              <a:t>6/15/2017</a:t>
+              <a:t>6/16/2017</a:t>
             </a:fld>
             <a:endParaRPr lang="en-US"/>
           </a:p>
@@ -9420,7 +9422,7 @@
           <a:p>
             <a:fld id="{E2764C70-C11F-4E22-8746-43149BDC3C3F}" type="datetime1">
               <a:rPr lang="en-US" smtClean="0"/>
-              <a:t>6/15/2017</a:t>
+              <a:t>6/16/2017</a:t>
             </a:fld>
             <a:endParaRPr lang="en-US"/>
           </a:p>
@@ -9516,7 +9518,7 @@
   </p:clrMapOvr>
   <p:extLst>
     <p:ext uri="{DCECCB84-F9BA-43D5-87BE-67443E8EF086}">
-      <p15:sldGuideLst xmlns:p15="http://schemas.microsoft.com/office/powerpoint/2012/main"/>
+      <p15:sldGuideLst xmlns:p15="http://schemas.microsoft.com/office/powerpoint/2012/main" xmlns=""/>
     </p:ext>
   </p:extLst>
 </p:sldLayout>
@@ -9697,7 +9699,7 @@
           <a:p>
             <a:fld id="{5694B596-CC2E-4162-A386-667332E49B4C}" type="datetime1">
               <a:rPr lang="en-US" smtClean="0"/>
-              <a:t>6/15/2017</a:t>
+              <a:t>6/16/2017</a:t>
             </a:fld>
             <a:endParaRPr lang="en-US"/>
           </a:p>
@@ -9757,7 +9759,7 @@
   </p:clrMapOvr>
   <p:extLst>
     <p:ext uri="{DCECCB84-F9BA-43D5-87BE-67443E8EF086}">
-      <p15:sldGuideLst xmlns:p15="http://schemas.microsoft.com/office/powerpoint/2012/main"/>
+      <p15:sldGuideLst xmlns:p15="http://schemas.microsoft.com/office/powerpoint/2012/main" xmlns=""/>
     </p:ext>
   </p:extLst>
 </p:sldLayout>
@@ -10084,7 +10086,7 @@
           <a:p>
             <a:fld id="{86C334C3-E971-40F0-AC61-C999A88055AD}" type="datetime1">
               <a:rPr lang="en-US" smtClean="0"/>
-              <a:t>6/15/2017</a:t>
+              <a:t>6/16/2017</a:t>
             </a:fld>
             <a:endParaRPr lang="en-US"/>
           </a:p>
@@ -10144,7 +10146,7 @@
   </p:clrMapOvr>
   <p:extLst>
     <p:ext uri="{DCECCB84-F9BA-43D5-87BE-67443E8EF086}">
-      <p15:sldGuideLst xmlns:p15="http://schemas.microsoft.com/office/powerpoint/2012/main"/>
+      <p15:sldGuideLst xmlns:p15="http://schemas.microsoft.com/office/powerpoint/2012/main" xmlns=""/>
     </p:ext>
   </p:extLst>
 </p:sldLayout>
@@ -10207,7 +10209,7 @@
           <a:p>
             <a:fld id="{9126952F-3A9F-4ACA-8A1C-D455CA6D2121}" type="datetime1">
               <a:rPr lang="en-US" smtClean="0"/>
-              <a:t>6/15/2017</a:t>
+              <a:t>6/16/2017</a:t>
             </a:fld>
             <a:endParaRPr lang="en-US"/>
           </a:p>
@@ -10302,7 +10304,7 @@
           <a:p>
             <a:fld id="{4A6F9FF6-6396-478E-9F28-2E524C8BE39E}" type="datetime1">
               <a:rPr lang="en-US" smtClean="0"/>
-              <a:t>6/15/2017</a:t>
+              <a:t>6/16/2017</a:t>
             </a:fld>
             <a:endParaRPr lang="en-US"/>
           </a:p>
@@ -10398,7 +10400,7 @@
   </p:clrMapOvr>
   <p:extLst>
     <p:ext uri="{DCECCB84-F9BA-43D5-87BE-67443E8EF086}">
-      <p15:sldGuideLst xmlns:p15="http://schemas.microsoft.com/office/powerpoint/2012/main"/>
+      <p15:sldGuideLst xmlns:p15="http://schemas.microsoft.com/office/powerpoint/2012/main" xmlns=""/>
     </p:ext>
   </p:extLst>
 </p:sldLayout>
@@ -11416,7 +11418,7 @@
           <a:p>
             <a:fld id="{4499697A-D106-49CB-BA1B-2B2F2DD5A797}" type="datetime1">
               <a:rPr lang="en-US" smtClean="0"/>
-              <a:t>6/15/2017</a:t>
+              <a:t>6/16/2017</a:t>
             </a:fld>
             <a:endParaRPr lang="en-US"/>
           </a:p>
@@ -11512,7 +11514,7 @@
   </p:clrMapOvr>
   <p:extLst>
     <p:ext uri="{DCECCB84-F9BA-43D5-87BE-67443E8EF086}">
-      <p15:sldGuideLst xmlns:p15="http://schemas.microsoft.com/office/powerpoint/2012/main"/>
+      <p15:sldGuideLst xmlns:p15="http://schemas.microsoft.com/office/powerpoint/2012/main" xmlns=""/>
     </p:ext>
   </p:extLst>
 </p:sldLayout>
@@ -12554,7 +12556,7 @@
           <a:p>
             <a:fld id="{B251DD5D-C2F2-4527-A05D-AE5DB7C3A037}" type="datetime1">
               <a:rPr lang="en-US" smtClean="0"/>
-              <a:t>6/15/2017</a:t>
+              <a:t>6/16/2017</a:t>
             </a:fld>
             <a:endParaRPr lang="en-US"/>
           </a:p>
@@ -13582,7 +13584,7 @@
           <a:p>
             <a:fld id="{E2F70B85-9DFD-4DEE-B162-FE8C09256A36}" type="datetime1">
               <a:rPr lang="en-US" smtClean="0"/>
-              <a:t>6/15/2017</a:t>
+              <a:t>6/16/2017</a:t>
             </a:fld>
             <a:endParaRPr lang="en-US"/>
           </a:p>
@@ -14126,7 +14128,7 @@
   </p:txStyles>
   <p:extLst>
     <p:ext uri="{27BBF7A9-308A-43DC-89C8-2F10F3537804}">
-      <p15:sldGuideLst xmlns:p15="http://schemas.microsoft.com/office/powerpoint/2012/main"/>
+      <p15:sldGuideLst xmlns:p15="http://schemas.microsoft.com/office/powerpoint/2012/main" xmlns=""/>
     </p:ext>
   </p:extLst>
 </p:sldMaster>
@@ -14159,7 +14161,12 @@
             <p:ph type="ctrTitle"/>
           </p:nvPr>
         </p:nvSpPr>
-        <p:spPr/>
+        <p:spPr>
+          <a:xfrm>
+            <a:off x="1154955" y="1229578"/>
+            <a:ext cx="8825658" cy="2973712"/>
+          </a:xfrm>
+        </p:spPr>
         <p:txBody>
           <a:bodyPr>
             <a:normAutofit fontScale="90000"/>
@@ -14236,6 +14243,10 @@
           </a:bodyPr>
           <a:lstStyle/>
           <a:p>
+            <a:r>
+              <a:rPr lang="ru-RU" dirty="0" smtClean="0"/>
+              <a:t>1</a:t>
+            </a:r>
             <a:endParaRPr lang="ru-RU" dirty="0" smtClean="0"/>
           </a:p>
         </p:txBody>
@@ -14292,26 +14303,11 @@
           <a:bodyPr/>
           <a:lstStyle/>
           <a:p>
-            <a:endParaRPr lang="en-US"/>
-          </a:p>
-        </p:txBody>
-      </p:sp>
-      <p:sp>
-        <p:nvSpPr>
-          <p:cNvPr id="3" name="Content Placeholder 2"/>
-          <p:cNvSpPr>
-            <a:spLocks noGrp="1"/>
-          </p:cNvSpPr>
-          <p:nvPr>
-            <p:ph idx="1"/>
-          </p:nvPr>
-        </p:nvSpPr>
-        <p:spPr/>
-        <p:txBody>
-          <a:bodyPr/>
-          <a:lstStyle/>
-          <a:p>
-            <a:endParaRPr lang="en-US"/>
+            <a:r>
+              <a:rPr lang="ru-RU" dirty="0" smtClean="0"/>
+              <a:t>Актуальность</a:t>
+            </a:r>
+            <a:endParaRPr lang="en-US" dirty="0"/>
           </a:p>
         </p:txBody>
       </p:sp>
@@ -14334,7 +14330,7 @@
           <a:p>
             <a:r>
               <a:rPr lang="ru-RU" dirty="0"/>
-              <a:t>1</a:t>
+              <a:t>2</a:t>
             </a:r>
             <a:endParaRPr lang="en-US" dirty="0"/>
           </a:p>
@@ -14398,25 +14394,6 @@
       </p:sp>
       <p:sp>
         <p:nvSpPr>
-          <p:cNvPr id="3" name="Content Placeholder 2"/>
-          <p:cNvSpPr>
-            <a:spLocks noGrp="1"/>
-          </p:cNvSpPr>
-          <p:nvPr>
-            <p:ph idx="1"/>
-          </p:nvPr>
-        </p:nvSpPr>
-        <p:spPr/>
-        <p:txBody>
-          <a:bodyPr/>
-          <a:lstStyle/>
-          <a:p>
-            <a:endParaRPr lang="en-US"/>
-          </a:p>
-        </p:txBody>
-      </p:sp>
-      <p:sp>
-        <p:nvSpPr>
           <p:cNvPr id="4" name="Slide Number Placeholder 3"/>
           <p:cNvSpPr>
             <a:spLocks noGrp="1"/>
@@ -14433,10 +14410,10 @@
           <a:lstStyle/>
           <a:p>
             <a:r>
-              <a:rPr lang="ru-RU"/>
-              <a:t>2</a:t>
+              <a:rPr lang="ru-RU" dirty="0"/>
+              <a:t>3</a:t>
             </a:r>
-            <a:endParaRPr lang="en-US"/>
+            <a:endParaRPr lang="en-US" dirty="0"/>
           </a:p>
         </p:txBody>
       </p:sp>
@@ -14457,6 +14434,150 @@
       </p:par>
     </p:tnLst>
   </p:timing>
+</p:sld>
+</file>
+
+<file path=ppt/slides/slide4.xml><?xml version="1.0" encoding="utf-8"?>
+<p:sld xmlns:a="http://schemas.openxmlformats.org/drawingml/2006/main" xmlns:r="http://schemas.openxmlformats.org/officeDocument/2006/relationships" xmlns:p="http://schemas.openxmlformats.org/presentationml/2006/main">
+  <p:cSld>
+    <p:spTree>
+      <p:nvGrpSpPr>
+        <p:cNvPr id="1" name=""/>
+        <p:cNvGrpSpPr/>
+        <p:nvPr/>
+      </p:nvGrpSpPr>
+      <p:grpSpPr>
+        <a:xfrm>
+          <a:off x="0" y="0"/>
+          <a:ext cx="0" cy="0"/>
+          <a:chOff x="0" y="0"/>
+          <a:chExt cx="0" cy="0"/>
+        </a:xfrm>
+      </p:grpSpPr>
+      <p:sp>
+        <p:nvSpPr>
+          <p:cNvPr id="2" name="Заголовок 1"/>
+          <p:cNvSpPr>
+            <a:spLocks noGrp="1"/>
+          </p:cNvSpPr>
+          <p:nvPr>
+            <p:ph type="title"/>
+          </p:nvPr>
+        </p:nvSpPr>
+        <p:spPr/>
+        <p:txBody>
+          <a:bodyPr/>
+          <a:lstStyle/>
+          <a:p>
+            <a:endParaRPr lang="ru-RU"/>
+          </a:p>
+        </p:txBody>
+      </p:sp>
+      <p:sp>
+        <p:nvSpPr>
+          <p:cNvPr id="4" name="Номер слайда 3"/>
+          <p:cNvSpPr>
+            <a:spLocks noGrp="1"/>
+          </p:cNvSpPr>
+          <p:nvPr>
+            <p:ph type="sldNum" sz="quarter" idx="12"/>
+          </p:nvPr>
+        </p:nvSpPr>
+        <p:spPr/>
+        <p:txBody>
+          <a:bodyPr/>
+          <a:lstStyle/>
+          <a:p>
+            <a:fld id="{1C91D544-D5DB-4D30-9C67-BAF1EE3D11C9}" type="slidenum">
+              <a:rPr lang="en-US" smtClean="0"/>
+              <a:t>4</a:t>
+            </a:fld>
+            <a:endParaRPr lang="en-US"/>
+          </a:p>
+        </p:txBody>
+      </p:sp>
+    </p:spTree>
+    <p:extLst>
+      <p:ext uri="{BB962C8B-B14F-4D97-AF65-F5344CB8AC3E}">
+        <p14:creationId xmlns:p14="http://schemas.microsoft.com/office/powerpoint/2010/main" val="2032500165"/>
+      </p:ext>
+    </p:extLst>
+  </p:cSld>
+  <p:clrMapOvr>
+    <a:masterClrMapping/>
+  </p:clrMapOvr>
+</p:sld>
+</file>
+
+<file path=ppt/slides/slide5.xml><?xml version="1.0" encoding="utf-8"?>
+<p:sld xmlns:a="http://schemas.openxmlformats.org/drawingml/2006/main" xmlns:r="http://schemas.openxmlformats.org/officeDocument/2006/relationships" xmlns:p="http://schemas.openxmlformats.org/presentationml/2006/main">
+  <p:cSld>
+    <p:spTree>
+      <p:nvGrpSpPr>
+        <p:cNvPr id="1" name=""/>
+        <p:cNvGrpSpPr/>
+        <p:nvPr/>
+      </p:nvGrpSpPr>
+      <p:grpSpPr>
+        <a:xfrm>
+          <a:off x="0" y="0"/>
+          <a:ext cx="0" cy="0"/>
+          <a:chOff x="0" y="0"/>
+          <a:chExt cx="0" cy="0"/>
+        </a:xfrm>
+      </p:grpSpPr>
+      <p:sp>
+        <p:nvSpPr>
+          <p:cNvPr id="2" name="Заголовок 1"/>
+          <p:cNvSpPr>
+            <a:spLocks noGrp="1"/>
+          </p:cNvSpPr>
+          <p:nvPr>
+            <p:ph type="title"/>
+          </p:nvPr>
+        </p:nvSpPr>
+        <p:spPr/>
+        <p:txBody>
+          <a:bodyPr/>
+          <a:lstStyle/>
+          <a:p>
+            <a:endParaRPr lang="ru-RU"/>
+          </a:p>
+        </p:txBody>
+      </p:sp>
+      <p:sp>
+        <p:nvSpPr>
+          <p:cNvPr id="4" name="Номер слайда 3"/>
+          <p:cNvSpPr>
+            <a:spLocks noGrp="1"/>
+          </p:cNvSpPr>
+          <p:nvPr>
+            <p:ph type="sldNum" sz="quarter" idx="12"/>
+          </p:nvPr>
+        </p:nvSpPr>
+        <p:spPr/>
+        <p:txBody>
+          <a:bodyPr/>
+          <a:lstStyle/>
+          <a:p>
+            <a:fld id="{1C91D544-D5DB-4D30-9C67-BAF1EE3D11C9}" type="slidenum">
+              <a:rPr lang="en-US" smtClean="0"/>
+              <a:t>5</a:t>
+            </a:fld>
+            <a:endParaRPr lang="en-US"/>
+          </a:p>
+        </p:txBody>
+      </p:sp>
+    </p:spTree>
+    <p:extLst>
+      <p:ext uri="{BB962C8B-B14F-4D97-AF65-F5344CB8AC3E}">
+        <p14:creationId xmlns:p14="http://schemas.microsoft.com/office/powerpoint/2010/main" val="3391439963"/>
+      </p:ext>
+    </p:extLst>
+  </p:cSld>
+  <p:clrMapOvr>
+    <a:masterClrMapping/>
+  </p:clrMapOvr>
 </p:sld>
 </file>
 
@@ -14719,7 +14840,7 @@
   <a:extraClrSchemeLst/>
   <a:extLst>
     <a:ext uri="{05A4C25C-085E-4340-85A3-A5531E510DB2}">
-      <thm15:themeFamily xmlns:thm15="http://schemas.microsoft.com/office/thememl/2012/main" name="Ion Boardroom" id="{FC33163D-4339-46B1-8EED-24C834239D99}" vid="{A3AB87EF-B655-4FFF-8D05-F333AD7F2789}"/>
+      <thm15:themeFamily xmlns:thm15="http://schemas.microsoft.com/office/thememl/2012/main" xmlns="" name="Ion Boardroom" id="{FC33163D-4339-46B1-8EED-24C834239D99}" vid="{A3AB87EF-B655-4FFF-8D05-F333AD7F2789}"/>
     </a:ext>
   </a:extLst>
 </a:theme>
@@ -14980,7 +15101,7 @@
   <a:extraClrSchemeLst/>
   <a:extLst>
     <a:ext uri="{05A4C25C-085E-4340-85A3-A5531E510DB2}">
-      <thm15:themeFamily xmlns:thm15="http://schemas.microsoft.com/office/thememl/2012/main" name="Office Theme" id="{62F939B6-93AF-4DB8-9C6B-D6C7DFDC589F}" vid="{4A3C46E8-61CC-4603-A589-7422A47A8E4A}"/>
+      <thm15:themeFamily xmlns:thm15="http://schemas.microsoft.com/office/thememl/2012/main" xmlns="" name="Office Theme" id="{62F939B6-93AF-4DB8-9C6B-D6C7DFDC589F}" vid="{4A3C46E8-61CC-4603-A589-7422A47A8E4A}"/>
     </a:ext>
   </a:extLst>
 </a:theme>

--- a/Presentation.pptx
+++ b/Presentation.pptx
@@ -111,6 +111,22 @@
       </a:defRPr>
     </a:lvl9pPr>
   </p:defaultTextStyle>
+  <p:extLst>
+    <p:ext uri="{EFAFB233-063F-42B5-8137-9DF3F51BA10A}">
+      <p15:sldGuideLst xmlns:p15="http://schemas.microsoft.com/office/powerpoint/2012/main">
+        <p15:guide id="1" orient="horz" pos="2160">
+          <p15:clr>
+            <a:srgbClr val="A4A3A4"/>
+          </p15:clr>
+        </p15:guide>
+        <p15:guide id="2" pos="3840">
+          <p15:clr>
+            <a:srgbClr val="A4A3A4"/>
+          </p15:clr>
+        </p15:guide>
+      </p15:sldGuideLst>
+    </p:ext>
+  </p:extLst>
 </p:presentation>
 </file>
 
@@ -1230,7 +1246,7 @@
   </p:clrMapOvr>
   <p:extLst>
     <p:ext uri="{DCECCB84-F9BA-43D5-87BE-67443E8EF086}">
-      <p15:sldGuideLst xmlns:p15="http://schemas.microsoft.com/office/powerpoint/2012/main" xmlns=""/>
+      <p15:sldGuideLst xmlns:p15="http://schemas.microsoft.com/office/powerpoint/2012/main"/>
     </p:ext>
   </p:extLst>
 </p:sldLayout>
@@ -8245,7 +8261,7 @@
   </p:clrMapOvr>
   <p:extLst>
     <p:ext uri="{DCECCB84-F9BA-43D5-87BE-67443E8EF086}">
-      <p15:sldGuideLst xmlns:p15="http://schemas.microsoft.com/office/powerpoint/2012/main" xmlns=""/>
+      <p15:sldGuideLst xmlns:p15="http://schemas.microsoft.com/office/powerpoint/2012/main"/>
     </p:ext>
   </p:extLst>
 </p:sldLayout>
@@ -9518,7 +9534,7 @@
   </p:clrMapOvr>
   <p:extLst>
     <p:ext uri="{DCECCB84-F9BA-43D5-87BE-67443E8EF086}">
-      <p15:sldGuideLst xmlns:p15="http://schemas.microsoft.com/office/powerpoint/2012/main" xmlns=""/>
+      <p15:sldGuideLst xmlns:p15="http://schemas.microsoft.com/office/powerpoint/2012/main"/>
     </p:ext>
   </p:extLst>
 </p:sldLayout>
@@ -9759,7 +9775,7 @@
   </p:clrMapOvr>
   <p:extLst>
     <p:ext uri="{DCECCB84-F9BA-43D5-87BE-67443E8EF086}">
-      <p15:sldGuideLst xmlns:p15="http://schemas.microsoft.com/office/powerpoint/2012/main" xmlns=""/>
+      <p15:sldGuideLst xmlns:p15="http://schemas.microsoft.com/office/powerpoint/2012/main"/>
     </p:ext>
   </p:extLst>
 </p:sldLayout>
@@ -10146,7 +10162,7 @@
   </p:clrMapOvr>
   <p:extLst>
     <p:ext uri="{DCECCB84-F9BA-43D5-87BE-67443E8EF086}">
-      <p15:sldGuideLst xmlns:p15="http://schemas.microsoft.com/office/powerpoint/2012/main" xmlns=""/>
+      <p15:sldGuideLst xmlns:p15="http://schemas.microsoft.com/office/powerpoint/2012/main"/>
     </p:ext>
   </p:extLst>
 </p:sldLayout>
@@ -10400,7 +10416,7 @@
   </p:clrMapOvr>
   <p:extLst>
     <p:ext uri="{DCECCB84-F9BA-43D5-87BE-67443E8EF086}">
-      <p15:sldGuideLst xmlns:p15="http://schemas.microsoft.com/office/powerpoint/2012/main" xmlns=""/>
+      <p15:sldGuideLst xmlns:p15="http://schemas.microsoft.com/office/powerpoint/2012/main"/>
     </p:ext>
   </p:extLst>
 </p:sldLayout>
@@ -11514,7 +11530,7 @@
   </p:clrMapOvr>
   <p:extLst>
     <p:ext uri="{DCECCB84-F9BA-43D5-87BE-67443E8EF086}">
-      <p15:sldGuideLst xmlns:p15="http://schemas.microsoft.com/office/powerpoint/2012/main" xmlns=""/>
+      <p15:sldGuideLst xmlns:p15="http://schemas.microsoft.com/office/powerpoint/2012/main"/>
     </p:ext>
   </p:extLst>
 </p:sldLayout>
@@ -14128,7 +14144,7 @@
   </p:txStyles>
   <p:extLst>
     <p:ext uri="{27BBF7A9-308A-43DC-89C8-2F10F3537804}">
-      <p15:sldGuideLst xmlns:p15="http://schemas.microsoft.com/office/powerpoint/2012/main" xmlns=""/>
+      <p15:sldGuideLst xmlns:p15="http://schemas.microsoft.com/office/powerpoint/2012/main"/>
     </p:ext>
   </p:extLst>
 </p:sldMaster>
@@ -14163,8 +14179,8 @@
         </p:nvSpPr>
         <p:spPr>
           <a:xfrm>
-            <a:off x="1154955" y="1229578"/>
-            <a:ext cx="8825658" cy="2973712"/>
+            <a:off x="1814378" y="667102"/>
+            <a:ext cx="8825658" cy="3719713"/>
           </a:xfrm>
         </p:spPr>
         <p:txBody>
@@ -14173,9 +14189,32 @@
           </a:bodyPr>
           <a:lstStyle/>
           <a:p>
+            <a:pPr algn="ctr"/>
+            <a:r>
+              <a:rPr lang="ru-RU" sz="2200" dirty="0" smtClean="0"/>
+              <a:t>Выпускная квалификационная работа</a:t>
+            </a:r>
+            <a:br>
+              <a:rPr lang="ru-RU" sz="2200" dirty="0" smtClean="0"/>
+            </a:br>
+            <a:r>
+              <a:rPr lang="ru-RU" sz="2200" dirty="0" smtClean="0"/>
+              <a:t>на тему:</a:t>
+            </a:r>
             <a:r>
               <a:rPr lang="ru-RU" dirty="0" smtClean="0"/>
-              <a:t>Разработка клиентского приложения для системы контроля качества обучения в </a:t>
+              <a:t/>
+            </a:r>
+            <a:br>
+              <a:rPr lang="ru-RU" dirty="0" smtClean="0"/>
+            </a:br>
+            <a:r>
+              <a:rPr lang="ru-RU" dirty="0" smtClean="0"/>
+              <a:t>Разработка </a:t>
+            </a:r>
+            <a:r>
+              <a:rPr lang="ru-RU" dirty="0" smtClean="0"/>
+              <a:t>клиентского приложения для системы контроля качества обучения в </a:t>
             </a:r>
             <a:r>
               <a:rPr lang="en-US" dirty="0" smtClean="0"/>
@@ -14199,28 +14238,68 @@
             <p:ph type="subTitle" idx="1"/>
           </p:nvPr>
         </p:nvSpPr>
-        <p:spPr/>
+        <p:spPr>
+          <a:xfrm>
+            <a:off x="2482594" y="4607169"/>
+            <a:ext cx="8825658" cy="1477107"/>
+          </a:xfrm>
+        </p:spPr>
         <p:txBody>
           <a:bodyPr>
             <a:normAutofit fontScale="77500" lnSpcReduction="20000"/>
           </a:bodyPr>
           <a:lstStyle/>
           <a:p>
+            <a:pPr algn="r"/>
             <a:r>
               <a:rPr lang="ru-RU" dirty="0" smtClean="0"/>
-              <a:t>Степуро Е.Н.</a:t>
+              <a:t>Студент: </a:t>
             </a:r>
-          </a:p>
-          <a:p>
             <a:r>
               <a:rPr lang="ru-RU" dirty="0" smtClean="0"/>
-              <a:t>343</a:t>
+              <a:t>Степуро </a:t>
             </a:r>
-          </a:p>
-          <a:p>
             <a:r>
               <a:rPr lang="ru-RU" dirty="0" smtClean="0"/>
-              <a:t>Каширин И.Ю.</a:t>
+              <a:t>Е.Н</a:t>
+            </a:r>
+            <a:r>
+              <a:rPr lang="ru-RU" dirty="0" smtClean="0"/>
+              <a:t>.</a:t>
+            </a:r>
+          </a:p>
+          <a:p>
+            <a:pPr algn="r"/>
+            <a:r>
+              <a:rPr lang="ru-RU" dirty="0" smtClean="0"/>
+              <a:t>Направление: 09.03.04 «программная инженерия»</a:t>
+            </a:r>
+            <a:endParaRPr lang="ru-RU" dirty="0" smtClean="0"/>
+          </a:p>
+          <a:p>
+            <a:pPr algn="r"/>
+            <a:r>
+              <a:rPr lang="ru-RU" dirty="0" smtClean="0"/>
+              <a:t>Группа 343</a:t>
+            </a:r>
+            <a:endParaRPr lang="ru-RU" dirty="0" smtClean="0"/>
+          </a:p>
+          <a:p>
+            <a:pPr algn="r"/>
+            <a:r>
+              <a:rPr lang="ru-RU" dirty="0" smtClean="0"/>
+              <a:t>Руководитель: </a:t>
+            </a:r>
+          </a:p>
+          <a:p>
+            <a:pPr algn="r"/>
+            <a:r>
+              <a:rPr lang="ru-RU" dirty="0" smtClean="0"/>
+              <a:t>доктор тех. Наук, профессор каф. Впм Каширин </a:t>
+            </a:r>
+            <a:r>
+              <a:rPr lang="ru-RU" dirty="0" smtClean="0"/>
+              <a:t>И.Ю.</a:t>
             </a:r>
             <a:endParaRPr lang="en-US" dirty="0"/>
           </a:p>
@@ -14247,7 +14326,6 @@
               <a:rPr lang="ru-RU" dirty="0" smtClean="0"/>
               <a:t>1</a:t>
             </a:r>
-            <a:endParaRPr lang="ru-RU" dirty="0" smtClean="0"/>
           </a:p>
         </p:txBody>
       </p:sp>
@@ -14506,6 +14584,13 @@
   <p:clrMapOvr>
     <a:masterClrMapping/>
   </p:clrMapOvr>
+  <p:timing>
+    <p:tnLst>
+      <p:par>
+        <p:cTn id="1" dur="indefinite" restart="never" nodeType="tmRoot"/>
+      </p:par>
+    </p:tnLst>
+  </p:timing>
 </p:sld>
 </file>
 
@@ -14578,6 +14663,13 @@
   <p:clrMapOvr>
     <a:masterClrMapping/>
   </p:clrMapOvr>
+  <p:timing>
+    <p:tnLst>
+      <p:par>
+        <p:cTn id="1" dur="indefinite" restart="never" nodeType="tmRoot"/>
+      </p:par>
+    </p:tnLst>
+  </p:timing>
 </p:sld>
 </file>
 
@@ -14840,7 +14932,7 @@
   <a:extraClrSchemeLst/>
   <a:extLst>
     <a:ext uri="{05A4C25C-085E-4340-85A3-A5531E510DB2}">
-      <thm15:themeFamily xmlns:thm15="http://schemas.microsoft.com/office/thememl/2012/main" xmlns="" name="Ion Boardroom" id="{FC33163D-4339-46B1-8EED-24C834239D99}" vid="{A3AB87EF-B655-4FFF-8D05-F333AD7F2789}"/>
+      <thm15:themeFamily xmlns:thm15="http://schemas.microsoft.com/office/thememl/2012/main" name="Ion Boardroom" id="{FC33163D-4339-46B1-8EED-24C834239D99}" vid="{A3AB87EF-B655-4FFF-8D05-F333AD7F2789}"/>
     </a:ext>
   </a:extLst>
 </a:theme>
@@ -15101,7 +15193,7 @@
   <a:extraClrSchemeLst/>
   <a:extLst>
     <a:ext uri="{05A4C25C-085E-4340-85A3-A5531E510DB2}">
-      <thm15:themeFamily xmlns:thm15="http://schemas.microsoft.com/office/thememl/2012/main" xmlns="" name="Office Theme" id="{62F939B6-93AF-4DB8-9C6B-D6C7DFDC589F}" vid="{4A3C46E8-61CC-4603-A589-7422A47A8E4A}"/>
+      <thm15:themeFamily xmlns:thm15="http://schemas.microsoft.com/office/thememl/2012/main" name="Office Theme" id="{62F939B6-93AF-4DB8-9C6B-D6C7DFDC589F}" vid="{4A3C46E8-61CC-4603-A589-7422A47A8E4A}"/>
     </a:ext>
   </a:extLst>
 </a:theme>
